--- a/new_SE401/Lectures/6-Unit Testing and Junit/Test Cases.pptx
+++ b/new_SE401/Lectures/6-Unit Testing and Junit/Test Cases.pptx
@@ -232,7 +232,7 @@
           <a:p>
             <a:fld id="{CFDFA0FC-3A8C-4702-9062-E5BC9F149477}" type="datetimeFigureOut">
               <a:rPr lang="en-US" smtClean="0"/>
-              <a:t>10/18/2021</a:t>
+              <a:t>11/28/2021</a:t>
             </a:fld>
             <a:endParaRPr lang="en-US"/>
           </a:p>
@@ -703,7 +703,7 @@
           <a:ln/>
           <a:extLst>
             <a:ext uri="{FAA26D3D-D897-4be2-8F04-BA451C77F1D7}">
-              <ma14:placeholderFlag xmlns:ma14="http://schemas.microsoft.com/office/mac/drawingml/2011/main" xmlns="" val="1"/>
+              <ma14:placeholderFlag xmlns="" xmlns:ma14="http://schemas.microsoft.com/office/mac/drawingml/2011/main" val="1"/>
             </a:ext>
           </a:extLst>
         </p:spPr>
@@ -887,7 +887,7 @@
           <a:ln/>
           <a:extLst>
             <a:ext uri="{FAA26D3D-D897-4be2-8F04-BA451C77F1D7}">
-              <ma14:placeholderFlag xmlns:ma14="http://schemas.microsoft.com/office/mac/drawingml/2011/main" xmlns="" val="1"/>
+              <ma14:placeholderFlag xmlns="" xmlns:ma14="http://schemas.microsoft.com/office/mac/drawingml/2011/main" val="1"/>
             </a:ext>
           </a:extLst>
         </p:spPr>
@@ -1369,7 +1369,7 @@
           <a:ln/>
           <a:extLst>
             <a:ext uri="{FAA26D3D-D897-4be2-8F04-BA451C77F1D7}">
-              <ma14:placeholderFlag xmlns:ma14="http://schemas.microsoft.com/office/mac/drawingml/2011/main" xmlns="" val="1"/>
+              <ma14:placeholderFlag xmlns="" xmlns:ma14="http://schemas.microsoft.com/office/mac/drawingml/2011/main" val="1"/>
             </a:ext>
           </a:extLst>
         </p:spPr>
@@ -1551,7 +1551,7 @@
           <a:ln/>
           <a:extLst>
             <a:ext uri="{FAA26D3D-D897-4be2-8F04-BA451C77F1D7}">
-              <ma14:placeholderFlag xmlns:ma14="http://schemas.microsoft.com/office/mac/drawingml/2011/main" xmlns="" val="1"/>
+              <ma14:placeholderFlag xmlns="" xmlns:ma14="http://schemas.microsoft.com/office/mac/drawingml/2011/main" val="1"/>
             </a:ext>
           </a:extLst>
         </p:spPr>
@@ -1836,7 +1836,7 @@
           <a:p>
             <a:fld id="{B2F5E2FA-C428-4CE7-95B0-168D3259A5BB}" type="datetimeFigureOut">
               <a:rPr lang="en-US" smtClean="0"/>
-              <a:t>10/18/2021</a:t>
+              <a:t>11/28/2021</a:t>
             </a:fld>
             <a:endParaRPr lang="en-US"/>
           </a:p>
@@ -2087,7 +2087,7 @@
           <a:p>
             <a:fld id="{B2F5E2FA-C428-4CE7-95B0-168D3259A5BB}" type="datetimeFigureOut">
               <a:rPr lang="en-US" smtClean="0"/>
-              <a:t>10/18/2021</a:t>
+              <a:t>11/28/2021</a:t>
             </a:fld>
             <a:endParaRPr lang="en-US"/>
           </a:p>
@@ -2267,7 +2267,7 @@
           <a:p>
             <a:fld id="{B2F5E2FA-C428-4CE7-95B0-168D3259A5BB}" type="datetimeFigureOut">
               <a:rPr lang="en-US" smtClean="0"/>
-              <a:t>10/18/2021</a:t>
+              <a:t>11/28/2021</a:t>
             </a:fld>
             <a:endParaRPr lang="en-US"/>
           </a:p>
@@ -2513,7 +2513,7 @@
           <a:p>
             <a:fld id="{A88DAFA6-470F-4856-8C77-B0C2461EAD9C}" type="datetime1">
               <a:rPr lang="en-US" altLang="en-US" smtClean="0"/>
-              <a:t>10/18/2021</a:t>
+              <a:t>11/28/2021</a:t>
             </a:fld>
             <a:endParaRPr lang="en-US" altLang="en-US" dirty="0"/>
           </a:p>
@@ -2805,7 +2805,7 @@
           <a:p>
             <a:fld id="{B2F5E2FA-C428-4CE7-95B0-168D3259A5BB}" type="datetimeFigureOut">
               <a:rPr lang="en-US" smtClean="0"/>
-              <a:t>10/18/2021</a:t>
+              <a:t>11/28/2021</a:t>
             </a:fld>
             <a:endParaRPr lang="en-US"/>
           </a:p>
@@ -3150,7 +3150,7 @@
           <a:p>
             <a:fld id="{B2F5E2FA-C428-4CE7-95B0-168D3259A5BB}" type="datetimeFigureOut">
               <a:rPr lang="en-US" smtClean="0"/>
-              <a:t>10/18/2021</a:t>
+              <a:t>11/28/2021</a:t>
             </a:fld>
             <a:endParaRPr lang="en-US"/>
           </a:p>
@@ -3382,7 +3382,7 @@
           <a:p>
             <a:fld id="{B2F5E2FA-C428-4CE7-95B0-168D3259A5BB}" type="datetimeFigureOut">
               <a:rPr lang="en-US" smtClean="0"/>
-              <a:t>10/18/2021</a:t>
+              <a:t>11/28/2021</a:t>
             </a:fld>
             <a:endParaRPr lang="en-US"/>
           </a:p>
@@ -3749,7 +3749,7 @@
           <a:p>
             <a:fld id="{B2F5E2FA-C428-4CE7-95B0-168D3259A5BB}" type="datetimeFigureOut">
               <a:rPr lang="en-US" smtClean="0"/>
-              <a:t>10/18/2021</a:t>
+              <a:t>11/28/2021</a:t>
             </a:fld>
             <a:endParaRPr lang="en-US"/>
           </a:p>
@@ -3844,7 +3844,7 @@
           <a:p>
             <a:fld id="{B2F5E2FA-C428-4CE7-95B0-168D3259A5BB}" type="datetimeFigureOut">
               <a:rPr lang="en-US" smtClean="0"/>
-              <a:t>10/18/2021</a:t>
+              <a:t>11/28/2021</a:t>
             </a:fld>
             <a:endParaRPr lang="en-US"/>
           </a:p>
@@ -4067,7 +4067,7 @@
             <a:fld id="{B2F5E2FA-C428-4CE7-95B0-168D3259A5BB}" type="datetimeFigureOut">
               <a:rPr lang="en-US" smtClean="0"/>
               <a:pPr/>
-              <a:t>10/18/2021</a:t>
+              <a:t>11/28/2021</a:t>
             </a:fld>
             <a:endParaRPr lang="en-US"/>
           </a:p>
@@ -4238,7 +4238,7 @@
           <a:p>
             <a:fld id="{B2F5E2FA-C428-4CE7-95B0-168D3259A5BB}" type="datetimeFigureOut">
               <a:rPr lang="en-US" smtClean="0"/>
-              <a:t>10/18/2021</a:t>
+              <a:t>11/28/2021</a:t>
             </a:fld>
             <a:endParaRPr lang="en-US"/>
           </a:p>
@@ -4515,7 +4515,7 @@
           <a:p>
             <a:fld id="{B2F5E2FA-C428-4CE7-95B0-168D3259A5BB}" type="datetimeFigureOut">
               <a:rPr lang="en-US" smtClean="0"/>
-              <a:t>10/18/2021</a:t>
+              <a:t>11/28/2021</a:t>
             </a:fld>
             <a:endParaRPr lang="en-US"/>
           </a:p>
@@ -4768,7 +4768,7 @@
           <a:p>
             <a:fld id="{B2F5E2FA-C428-4CE7-95B0-168D3259A5BB}" type="datetimeFigureOut">
               <a:rPr lang="en-US" smtClean="0"/>
-              <a:t>10/18/2021</a:t>
+              <a:t>11/28/2021</a:t>
             </a:fld>
             <a:endParaRPr lang="en-US"/>
           </a:p>
@@ -4981,7 +4981,7 @@
           <a:p>
             <a:fld id="{B2F5E2FA-C428-4CE7-95B0-168D3259A5BB}" type="datetimeFigureOut">
               <a:rPr lang="en-US" smtClean="0"/>
-              <a:t>10/18/2021</a:t>
+              <a:t>11/28/2021</a:t>
             </a:fld>
             <a:endParaRPr lang="en-US"/>
           </a:p>
@@ -5425,6 +5425,10 @@
           <a:bodyPr/>
           <a:lstStyle/>
           <a:p>
+            <a:r>
+              <a:rPr lang="en-US"/>
+              <a:t>SE401: Software Quality Assurance and Testing</a:t>
+            </a:r>
             <a:endParaRPr lang="en-US"/>
           </a:p>
         </p:txBody>
@@ -8619,14 +8623,14 @@
           </a:ln>
           <a:extLst>
             <a:ext uri="{909E8E84-426E-40dd-AFC4-6F175D3DCCD1}">
-              <a14:hiddenFill xmlns:a14="http://schemas.microsoft.com/office/drawing/2010/main" xmlns="">
+              <a14:hiddenFill xmlns="" xmlns:a14="http://schemas.microsoft.com/office/drawing/2010/main">
                 <a:solidFill>
                   <a:srgbClr val="FFFFFF"/>
                 </a:solidFill>
               </a14:hiddenFill>
             </a:ext>
             <a:ext uri="{91240B29-F687-4f45-9708-019B960494DF}">
-              <a14:hiddenLine xmlns:a14="http://schemas.microsoft.com/office/drawing/2010/main" xmlns="" w="9525">
+              <a14:hiddenLine xmlns="" xmlns:a14="http://schemas.microsoft.com/office/drawing/2010/main" w="9525">
                 <a:solidFill>
                   <a:srgbClr val="000000"/>
                 </a:solidFill>
@@ -8780,14 +8784,14 @@
           </a:ln>
           <a:extLst>
             <a:ext uri="{909E8E84-426E-40dd-AFC4-6F175D3DCCD1}">
-              <a14:hiddenFill xmlns:a14="http://schemas.microsoft.com/office/drawing/2010/main" xmlns="">
+              <a14:hiddenFill xmlns="" xmlns:a14="http://schemas.microsoft.com/office/drawing/2010/main">
                 <a:solidFill>
                   <a:srgbClr val="FFFFFF"/>
                 </a:solidFill>
               </a14:hiddenFill>
             </a:ext>
             <a:ext uri="{91240B29-F687-4f45-9708-019B960494DF}">
-              <a14:hiddenLine xmlns:a14="http://schemas.microsoft.com/office/drawing/2010/main" xmlns="" w="9525">
+              <a14:hiddenLine xmlns="" xmlns:a14="http://schemas.microsoft.com/office/drawing/2010/main" w="9525">
                 <a:solidFill>
                   <a:srgbClr val="000000"/>
                 </a:solidFill>
@@ -8834,14 +8838,14 @@
           </a:ln>
           <a:extLst>
             <a:ext uri="{909E8E84-426E-40dd-AFC4-6F175D3DCCD1}">
-              <a14:hiddenFill xmlns:a14="http://schemas.microsoft.com/office/drawing/2010/main" xmlns="">
+              <a14:hiddenFill xmlns="" xmlns:a14="http://schemas.microsoft.com/office/drawing/2010/main">
                 <a:solidFill>
                   <a:srgbClr val="FFFFFF"/>
                 </a:solidFill>
               </a14:hiddenFill>
             </a:ext>
             <a:ext uri="{91240B29-F687-4f45-9708-019B960494DF}">
-              <a14:hiddenLine xmlns:a14="http://schemas.microsoft.com/office/drawing/2010/main" xmlns="" w="9525">
+              <a14:hiddenLine xmlns="" xmlns:a14="http://schemas.microsoft.com/office/drawing/2010/main" w="9525">
                 <a:solidFill>
                   <a:srgbClr val="000000"/>
                 </a:solidFill>
@@ -8888,14 +8892,14 @@
           </a:ln>
           <a:extLst>
             <a:ext uri="{909E8E84-426E-40dd-AFC4-6F175D3DCCD1}">
-              <a14:hiddenFill xmlns:a14="http://schemas.microsoft.com/office/drawing/2010/main" xmlns="">
+              <a14:hiddenFill xmlns="" xmlns:a14="http://schemas.microsoft.com/office/drawing/2010/main">
                 <a:solidFill>
                   <a:srgbClr val="FFFFFF"/>
                 </a:solidFill>
               </a14:hiddenFill>
             </a:ext>
             <a:ext uri="{91240B29-F687-4f45-9708-019B960494DF}">
-              <a14:hiddenLine xmlns:a14="http://schemas.microsoft.com/office/drawing/2010/main" xmlns="" w="9525">
+              <a14:hiddenLine xmlns="" xmlns:a14="http://schemas.microsoft.com/office/drawing/2010/main" w="9525">
                 <a:solidFill>
                   <a:srgbClr val="000000"/>
                 </a:solidFill>
